--- a/Pull Request 101/Pull Request 101.pptx
+++ b/Pull Request 101/Pull Request 101.pptx
@@ -15,6 +15,13 @@
     <p:sldId id="260" r:id="rId10"/>
     <p:sldId id="261" r:id="rId11"/>
     <p:sldId id="262" r:id="rId12"/>
+    <p:sldId id="263" r:id="rId13"/>
+    <p:sldId id="264" r:id="rId14"/>
+    <p:sldId id="265" r:id="rId15"/>
+    <p:sldId id="266" r:id="rId16"/>
+    <p:sldId id="267" r:id="rId17"/>
+    <p:sldId id="268" r:id="rId18"/>
+    <p:sldId id="269" r:id="rId19"/>
   </p:sldIdLst>
   <p:sldSz cy="5143500" cx="9144000"/>
   <p:notesSz cx="6858000" cy="9144000"/>
@@ -486,12 +493,12 @@
 </p:notes>
 </file>
 
-<file path=ppt/notesSlides/notesSlide2.xml><?xml version="1.0" encoding="utf-8"?>
+<file path=ppt/notesSlides/notesSlide10.xml><?xml version="1.0" encoding="utf-8"?>
 <p:notes xmlns:a="http://schemas.openxmlformats.org/drawingml/2006/main" xmlns:r="http://schemas.openxmlformats.org/officeDocument/2006/relationships" xmlns:mc="http://schemas.openxmlformats.org/markup-compatibility/2006" xmlns:mv="urn:schemas-microsoft-com:mac:vml" xmlns:p="http://schemas.openxmlformats.org/presentationml/2006/main" xmlns:c="http://schemas.openxmlformats.org/drawingml/2006/chart" xmlns:dgm="http://schemas.openxmlformats.org/drawingml/2006/diagram" xmlns:o="urn:schemas-microsoft-com:office:office" xmlns:v="urn:schemas-microsoft-com:vml" xmlns:pvml="urn:schemas-microsoft-com:office:powerpoint" xmlns:com="http://schemas.openxmlformats.org/drawingml/2006/compatibility" xmlns:p14="http://schemas.microsoft.com/office/powerpoint/2010/main" showMasterPhAnim="0" showMasterSp="0">
   <p:cSld>
     <p:spTree>
       <p:nvGrpSpPr>
-        <p:cNvPr id="48" name="Shape 48"/>
+        <p:cNvPr id="96" name="Shape 96"/>
         <p:cNvGrpSpPr/>
         <p:nvPr/>
       </p:nvGrpSpPr>
@@ -505,7 +512,7 @@
       </p:grpSpPr>
       <p:sp>
         <p:nvSpPr>
-          <p:cNvPr id="49" name="Shape 49"/>
+          <p:cNvPr id="97" name="Shape 97"/>
           <p:cNvSpPr/>
           <p:nvPr>
             <p:ph idx="2" type="sldImg"/>
@@ -549,7 +556,7 @@
       </p:sp>
       <p:sp>
         <p:nvSpPr>
-          <p:cNvPr id="50" name="Shape 50"/>
+          <p:cNvPr id="98" name="Shape 98"/>
           <p:cNvSpPr txBox="1"/>
           <p:nvPr>
             <p:ph idx="1" type="body"/>
@@ -591,12 +598,12 @@
 </p:notes>
 </file>
 
-<file path=ppt/notesSlides/notesSlide3.xml><?xml version="1.0" encoding="utf-8"?>
+<file path=ppt/notesSlides/notesSlide11.xml><?xml version="1.0" encoding="utf-8"?>
 <p:notes xmlns:a="http://schemas.openxmlformats.org/drawingml/2006/main" xmlns:r="http://schemas.openxmlformats.org/officeDocument/2006/relationships" xmlns:mc="http://schemas.openxmlformats.org/markup-compatibility/2006" xmlns:mv="urn:schemas-microsoft-com:mac:vml" xmlns:p="http://schemas.openxmlformats.org/presentationml/2006/main" xmlns:c="http://schemas.openxmlformats.org/drawingml/2006/chart" xmlns:dgm="http://schemas.openxmlformats.org/drawingml/2006/diagram" xmlns:o="urn:schemas-microsoft-com:office:office" xmlns:v="urn:schemas-microsoft-com:vml" xmlns:pvml="urn:schemas-microsoft-com:office:powerpoint" xmlns:com="http://schemas.openxmlformats.org/drawingml/2006/compatibility" xmlns:p14="http://schemas.microsoft.com/office/powerpoint/2010/main" showMasterPhAnim="0" showMasterSp="0">
   <p:cSld>
     <p:spTree>
       <p:nvGrpSpPr>
-        <p:cNvPr id="54" name="Shape 54"/>
+        <p:cNvPr id="102" name="Shape 102"/>
         <p:cNvGrpSpPr/>
         <p:nvPr/>
       </p:nvGrpSpPr>
@@ -610,7 +617,7 @@
       </p:grpSpPr>
       <p:sp>
         <p:nvSpPr>
-          <p:cNvPr id="55" name="Shape 55"/>
+          <p:cNvPr id="103" name="Shape 103"/>
           <p:cNvSpPr/>
           <p:nvPr>
             <p:ph idx="2" type="sldImg"/>
@@ -654,7 +661,7 @@
       </p:sp>
       <p:sp>
         <p:nvSpPr>
-          <p:cNvPr id="56" name="Shape 56"/>
+          <p:cNvPr id="104" name="Shape 104"/>
           <p:cNvSpPr txBox="1"/>
           <p:nvPr>
             <p:ph idx="1" type="body"/>
@@ -696,12 +703,12 @@
 </p:notes>
 </file>
 
-<file path=ppt/notesSlides/notesSlide4.xml><?xml version="1.0" encoding="utf-8"?>
+<file path=ppt/notesSlides/notesSlide12.xml><?xml version="1.0" encoding="utf-8"?>
 <p:notes xmlns:a="http://schemas.openxmlformats.org/drawingml/2006/main" xmlns:r="http://schemas.openxmlformats.org/officeDocument/2006/relationships" xmlns:mc="http://schemas.openxmlformats.org/markup-compatibility/2006" xmlns:mv="urn:schemas-microsoft-com:mac:vml" xmlns:p="http://schemas.openxmlformats.org/presentationml/2006/main" xmlns:c="http://schemas.openxmlformats.org/drawingml/2006/chart" xmlns:dgm="http://schemas.openxmlformats.org/drawingml/2006/diagram" xmlns:o="urn:schemas-microsoft-com:office:office" xmlns:v="urn:schemas-microsoft-com:vml" xmlns:pvml="urn:schemas-microsoft-com:office:powerpoint" xmlns:com="http://schemas.openxmlformats.org/drawingml/2006/compatibility" xmlns:p14="http://schemas.microsoft.com/office/powerpoint/2010/main" showMasterPhAnim="0" showMasterSp="0">
   <p:cSld>
     <p:spTree>
       <p:nvGrpSpPr>
-        <p:cNvPr id="60" name="Shape 60"/>
+        <p:cNvPr id="108" name="Shape 108"/>
         <p:cNvGrpSpPr/>
         <p:nvPr/>
       </p:nvGrpSpPr>
@@ -715,7 +722,7 @@
       </p:grpSpPr>
       <p:sp>
         <p:nvSpPr>
-          <p:cNvPr id="61" name="Shape 61"/>
+          <p:cNvPr id="109" name="Shape 109"/>
           <p:cNvSpPr/>
           <p:nvPr>
             <p:ph idx="2" type="sldImg"/>
@@ -759,7 +766,7 @@
       </p:sp>
       <p:sp>
         <p:nvSpPr>
-          <p:cNvPr id="62" name="Shape 62"/>
+          <p:cNvPr id="110" name="Shape 110"/>
           <p:cNvSpPr txBox="1"/>
           <p:nvPr>
             <p:ph idx="1" type="body"/>
@@ -801,12 +808,12 @@
 </p:notes>
 </file>
 
-<file path=ppt/notesSlides/notesSlide5.xml><?xml version="1.0" encoding="utf-8"?>
+<file path=ppt/notesSlides/notesSlide13.xml><?xml version="1.0" encoding="utf-8"?>
 <p:notes xmlns:a="http://schemas.openxmlformats.org/drawingml/2006/main" xmlns:r="http://schemas.openxmlformats.org/officeDocument/2006/relationships" xmlns:mc="http://schemas.openxmlformats.org/markup-compatibility/2006" xmlns:mv="urn:schemas-microsoft-com:mac:vml" xmlns:p="http://schemas.openxmlformats.org/presentationml/2006/main" xmlns:c="http://schemas.openxmlformats.org/drawingml/2006/chart" xmlns:dgm="http://schemas.openxmlformats.org/drawingml/2006/diagram" xmlns:o="urn:schemas-microsoft-com:office:office" xmlns:v="urn:schemas-microsoft-com:vml" xmlns:pvml="urn:schemas-microsoft-com:office:powerpoint" xmlns:com="http://schemas.openxmlformats.org/drawingml/2006/compatibility" xmlns:p14="http://schemas.microsoft.com/office/powerpoint/2010/main" showMasterPhAnim="0" showMasterSp="0">
   <p:cSld>
     <p:spTree>
       <p:nvGrpSpPr>
-        <p:cNvPr id="66" name="Shape 66"/>
+        <p:cNvPr id="114" name="Shape 114"/>
         <p:cNvGrpSpPr/>
         <p:nvPr/>
       </p:nvGrpSpPr>
@@ -820,7 +827,7 @@
       </p:grpSpPr>
       <p:sp>
         <p:nvSpPr>
-          <p:cNvPr id="67" name="Shape 67"/>
+          <p:cNvPr id="115" name="Shape 115"/>
           <p:cNvSpPr/>
           <p:nvPr>
             <p:ph idx="2" type="sldImg"/>
@@ -864,7 +871,7 @@
       </p:sp>
       <p:sp>
         <p:nvSpPr>
-          <p:cNvPr id="68" name="Shape 68"/>
+          <p:cNvPr id="116" name="Shape 116"/>
           <p:cNvSpPr txBox="1"/>
           <p:nvPr>
             <p:ph idx="1" type="body"/>
@@ -906,12 +913,12 @@
 </p:notes>
 </file>
 
-<file path=ppt/notesSlides/notesSlide6.xml><?xml version="1.0" encoding="utf-8"?>
+<file path=ppt/notesSlides/notesSlide14.xml><?xml version="1.0" encoding="utf-8"?>
 <p:notes xmlns:a="http://schemas.openxmlformats.org/drawingml/2006/main" xmlns:r="http://schemas.openxmlformats.org/officeDocument/2006/relationships" xmlns:mc="http://schemas.openxmlformats.org/markup-compatibility/2006" xmlns:mv="urn:schemas-microsoft-com:mac:vml" xmlns:p="http://schemas.openxmlformats.org/presentationml/2006/main" xmlns:c="http://schemas.openxmlformats.org/drawingml/2006/chart" xmlns:dgm="http://schemas.openxmlformats.org/drawingml/2006/diagram" xmlns:o="urn:schemas-microsoft-com:office:office" xmlns:v="urn:schemas-microsoft-com:vml" xmlns:pvml="urn:schemas-microsoft-com:office:powerpoint" xmlns:com="http://schemas.openxmlformats.org/drawingml/2006/compatibility" xmlns:p14="http://schemas.microsoft.com/office/powerpoint/2010/main" showMasterPhAnim="0" showMasterSp="0">
   <p:cSld>
     <p:spTree>
       <p:nvGrpSpPr>
-        <p:cNvPr id="72" name="Shape 72"/>
+        <p:cNvPr id="120" name="Shape 120"/>
         <p:cNvGrpSpPr/>
         <p:nvPr/>
       </p:nvGrpSpPr>
@@ -925,7 +932,7 @@
       </p:grpSpPr>
       <p:sp>
         <p:nvSpPr>
-          <p:cNvPr id="73" name="Shape 73"/>
+          <p:cNvPr id="121" name="Shape 121"/>
           <p:cNvSpPr/>
           <p:nvPr>
             <p:ph idx="2" type="sldImg"/>
@@ -969,7 +976,7 @@
       </p:sp>
       <p:sp>
         <p:nvSpPr>
-          <p:cNvPr id="74" name="Shape 74"/>
+          <p:cNvPr id="122" name="Shape 122"/>
           <p:cNvSpPr txBox="1"/>
           <p:nvPr>
             <p:ph idx="1" type="body"/>
@@ -1011,12 +1018,12 @@
 </p:notes>
 </file>
 
-<file path=ppt/notesSlides/notesSlide7.xml><?xml version="1.0" encoding="utf-8"?>
+<file path=ppt/notesSlides/notesSlide2.xml><?xml version="1.0" encoding="utf-8"?>
 <p:notes xmlns:a="http://schemas.openxmlformats.org/drawingml/2006/main" xmlns:r="http://schemas.openxmlformats.org/officeDocument/2006/relationships" xmlns:mc="http://schemas.openxmlformats.org/markup-compatibility/2006" xmlns:mv="urn:schemas-microsoft-com:mac:vml" xmlns:p="http://schemas.openxmlformats.org/presentationml/2006/main" xmlns:c="http://schemas.openxmlformats.org/drawingml/2006/chart" xmlns:dgm="http://schemas.openxmlformats.org/drawingml/2006/diagram" xmlns:o="urn:schemas-microsoft-com:office:office" xmlns:v="urn:schemas-microsoft-com:vml" xmlns:pvml="urn:schemas-microsoft-com:office:powerpoint" xmlns:com="http://schemas.openxmlformats.org/drawingml/2006/compatibility" xmlns:p14="http://schemas.microsoft.com/office/powerpoint/2010/main" showMasterPhAnim="0" showMasterSp="0">
   <p:cSld>
     <p:spTree>
       <p:nvGrpSpPr>
-        <p:cNvPr id="78" name="Shape 78"/>
+        <p:cNvPr id="48" name="Shape 48"/>
         <p:cNvGrpSpPr/>
         <p:nvPr/>
       </p:nvGrpSpPr>
@@ -1030,7 +1037,7 @@
       </p:grpSpPr>
       <p:sp>
         <p:nvSpPr>
-          <p:cNvPr id="79" name="Shape 79"/>
+          <p:cNvPr id="49" name="Shape 49"/>
           <p:cNvSpPr/>
           <p:nvPr>
             <p:ph idx="2" type="sldImg"/>
@@ -1074,7 +1081,742 @@
       </p:sp>
       <p:sp>
         <p:nvSpPr>
+          <p:cNvPr id="50" name="Shape 50"/>
+          <p:cNvSpPr txBox="1"/>
+          <p:nvPr>
+            <p:ph idx="1" type="body"/>
+          </p:nvPr>
+        </p:nvSpPr>
+        <p:spPr>
+          <a:xfrm>
+            <a:off x="685800" y="4343400"/>
+            <a:ext cx="5486399" cy="4114800"/>
+          </a:xfrm>
+          <a:prstGeom prst="rect">
+            <a:avLst/>
+          </a:prstGeom>
+        </p:spPr>
+        <p:txBody>
+          <a:bodyPr anchorCtr="0" anchor="t" bIns="91425" lIns="91425" rIns="91425" tIns="91425">
+            <a:noAutofit/>
+          </a:bodyPr>
+          <a:lstStyle/>
+          <a:p>
+            <a:pPr>
+              <a:spcBef>
+                <a:spcPts val="0"/>
+              </a:spcBef>
+              <a:buNone/>
+            </a:pPr>
+            <a:r>
+              <a:t/>
+            </a:r>
+            <a:endParaRPr/>
+          </a:p>
+        </p:txBody>
+      </p:sp>
+    </p:spTree>
+  </p:cSld>
+  <p:clrMapOvr>
+    <a:masterClrMapping/>
+  </p:clrMapOvr>
+</p:notes>
+</file>
+
+<file path=ppt/notesSlides/notesSlide3.xml><?xml version="1.0" encoding="utf-8"?>
+<p:notes xmlns:a="http://schemas.openxmlformats.org/drawingml/2006/main" xmlns:r="http://schemas.openxmlformats.org/officeDocument/2006/relationships" xmlns:mc="http://schemas.openxmlformats.org/markup-compatibility/2006" xmlns:mv="urn:schemas-microsoft-com:mac:vml" xmlns:p="http://schemas.openxmlformats.org/presentationml/2006/main" xmlns:c="http://schemas.openxmlformats.org/drawingml/2006/chart" xmlns:dgm="http://schemas.openxmlformats.org/drawingml/2006/diagram" xmlns:o="urn:schemas-microsoft-com:office:office" xmlns:v="urn:schemas-microsoft-com:vml" xmlns:pvml="urn:schemas-microsoft-com:office:powerpoint" xmlns:com="http://schemas.openxmlformats.org/drawingml/2006/compatibility" xmlns:p14="http://schemas.microsoft.com/office/powerpoint/2010/main" showMasterPhAnim="0" showMasterSp="0">
+  <p:cSld>
+    <p:spTree>
+      <p:nvGrpSpPr>
+        <p:cNvPr id="54" name="Shape 54"/>
+        <p:cNvGrpSpPr/>
+        <p:nvPr/>
+      </p:nvGrpSpPr>
+      <p:grpSpPr>
+        <a:xfrm>
+          <a:off x="0" y="0"/>
+          <a:ext cx="0" cy="0"/>
+          <a:chOff x="0" y="0"/>
+          <a:chExt cx="0" cy="0"/>
+        </a:xfrm>
+      </p:grpSpPr>
+      <p:sp>
+        <p:nvSpPr>
+          <p:cNvPr id="55" name="Shape 55"/>
+          <p:cNvSpPr/>
+          <p:nvPr>
+            <p:ph idx="2" type="sldImg"/>
+          </p:nvPr>
+        </p:nvSpPr>
+        <p:spPr>
+          <a:xfrm>
+            <a:off x="381187" y="685800"/>
+            <a:ext cx="6096299" cy="3429000"/>
+          </a:xfrm>
+          <a:custGeom>
+            <a:pathLst>
+              <a:path extrusionOk="0" h="120000" w="120000">
+                <a:moveTo>
+                  <a:pt x="0" y="0"/>
+                </a:moveTo>
+                <a:lnTo>
+                  <a:pt x="120000" y="0"/>
+                </a:lnTo>
+                <a:lnTo>
+                  <a:pt x="120000" y="120000"/>
+                </a:lnTo>
+                <a:lnTo>
+                  <a:pt x="0" y="120000"/>
+                </a:lnTo>
+                <a:close/>
+              </a:path>
+            </a:pathLst>
+          </a:custGeom>
+          <a:noFill/>
+          <a:ln cap="flat" w="9525">
+            <a:solidFill>
+              <a:srgbClr val="000000"/>
+            </a:solidFill>
+            <a:prstDash val="solid"/>
+            <a:round/>
+            <a:headEnd len="med" w="med" type="none"/>
+            <a:tailEnd len="med" w="med" type="none"/>
+          </a:ln>
+        </p:spPr>
+      </p:sp>
+      <p:sp>
+        <p:nvSpPr>
+          <p:cNvPr id="56" name="Shape 56"/>
+          <p:cNvSpPr txBox="1"/>
+          <p:nvPr>
+            <p:ph idx="1" type="body"/>
+          </p:nvPr>
+        </p:nvSpPr>
+        <p:spPr>
+          <a:xfrm>
+            <a:off x="685800" y="4343400"/>
+            <a:ext cx="5486399" cy="4114800"/>
+          </a:xfrm>
+          <a:prstGeom prst="rect">
+            <a:avLst/>
+          </a:prstGeom>
+        </p:spPr>
+        <p:txBody>
+          <a:bodyPr anchorCtr="0" anchor="t" bIns="91425" lIns="91425" rIns="91425" tIns="91425">
+            <a:noAutofit/>
+          </a:bodyPr>
+          <a:lstStyle/>
+          <a:p>
+            <a:pPr>
+              <a:spcBef>
+                <a:spcPts val="0"/>
+              </a:spcBef>
+              <a:buNone/>
+            </a:pPr>
+            <a:r>
+              <a:t/>
+            </a:r>
+            <a:endParaRPr/>
+          </a:p>
+        </p:txBody>
+      </p:sp>
+    </p:spTree>
+  </p:cSld>
+  <p:clrMapOvr>
+    <a:masterClrMapping/>
+  </p:clrMapOvr>
+</p:notes>
+</file>
+
+<file path=ppt/notesSlides/notesSlide4.xml><?xml version="1.0" encoding="utf-8"?>
+<p:notes xmlns:a="http://schemas.openxmlformats.org/drawingml/2006/main" xmlns:r="http://schemas.openxmlformats.org/officeDocument/2006/relationships" xmlns:mc="http://schemas.openxmlformats.org/markup-compatibility/2006" xmlns:mv="urn:schemas-microsoft-com:mac:vml" xmlns:p="http://schemas.openxmlformats.org/presentationml/2006/main" xmlns:c="http://schemas.openxmlformats.org/drawingml/2006/chart" xmlns:dgm="http://schemas.openxmlformats.org/drawingml/2006/diagram" xmlns:o="urn:schemas-microsoft-com:office:office" xmlns:v="urn:schemas-microsoft-com:vml" xmlns:pvml="urn:schemas-microsoft-com:office:powerpoint" xmlns:com="http://schemas.openxmlformats.org/drawingml/2006/compatibility" xmlns:p14="http://schemas.microsoft.com/office/powerpoint/2010/main" showMasterPhAnim="0" showMasterSp="0">
+  <p:cSld>
+    <p:spTree>
+      <p:nvGrpSpPr>
+        <p:cNvPr id="60" name="Shape 60"/>
+        <p:cNvGrpSpPr/>
+        <p:nvPr/>
+      </p:nvGrpSpPr>
+      <p:grpSpPr>
+        <a:xfrm>
+          <a:off x="0" y="0"/>
+          <a:ext cx="0" cy="0"/>
+          <a:chOff x="0" y="0"/>
+          <a:chExt cx="0" cy="0"/>
+        </a:xfrm>
+      </p:grpSpPr>
+      <p:sp>
+        <p:nvSpPr>
+          <p:cNvPr id="61" name="Shape 61"/>
+          <p:cNvSpPr/>
+          <p:nvPr>
+            <p:ph idx="2" type="sldImg"/>
+          </p:nvPr>
+        </p:nvSpPr>
+        <p:spPr>
+          <a:xfrm>
+            <a:off x="381187" y="685800"/>
+            <a:ext cx="6096299" cy="3429000"/>
+          </a:xfrm>
+          <a:custGeom>
+            <a:pathLst>
+              <a:path extrusionOk="0" h="120000" w="120000">
+                <a:moveTo>
+                  <a:pt x="0" y="0"/>
+                </a:moveTo>
+                <a:lnTo>
+                  <a:pt x="120000" y="0"/>
+                </a:lnTo>
+                <a:lnTo>
+                  <a:pt x="120000" y="120000"/>
+                </a:lnTo>
+                <a:lnTo>
+                  <a:pt x="0" y="120000"/>
+                </a:lnTo>
+                <a:close/>
+              </a:path>
+            </a:pathLst>
+          </a:custGeom>
+          <a:noFill/>
+          <a:ln cap="flat" w="9525">
+            <a:solidFill>
+              <a:srgbClr val="000000"/>
+            </a:solidFill>
+            <a:prstDash val="solid"/>
+            <a:round/>
+            <a:headEnd len="med" w="med" type="none"/>
+            <a:tailEnd len="med" w="med" type="none"/>
+          </a:ln>
+        </p:spPr>
+      </p:sp>
+      <p:sp>
+        <p:nvSpPr>
+          <p:cNvPr id="62" name="Shape 62"/>
+          <p:cNvSpPr txBox="1"/>
+          <p:nvPr>
+            <p:ph idx="1" type="body"/>
+          </p:nvPr>
+        </p:nvSpPr>
+        <p:spPr>
+          <a:xfrm>
+            <a:off x="685800" y="4343400"/>
+            <a:ext cx="5486399" cy="4114800"/>
+          </a:xfrm>
+          <a:prstGeom prst="rect">
+            <a:avLst/>
+          </a:prstGeom>
+        </p:spPr>
+        <p:txBody>
+          <a:bodyPr anchorCtr="0" anchor="t" bIns="91425" lIns="91425" rIns="91425" tIns="91425">
+            <a:noAutofit/>
+          </a:bodyPr>
+          <a:lstStyle/>
+          <a:p>
+            <a:pPr>
+              <a:spcBef>
+                <a:spcPts val="0"/>
+              </a:spcBef>
+              <a:buNone/>
+            </a:pPr>
+            <a:r>
+              <a:t/>
+            </a:r>
+            <a:endParaRPr/>
+          </a:p>
+        </p:txBody>
+      </p:sp>
+    </p:spTree>
+  </p:cSld>
+  <p:clrMapOvr>
+    <a:masterClrMapping/>
+  </p:clrMapOvr>
+</p:notes>
+</file>
+
+<file path=ppt/notesSlides/notesSlide5.xml><?xml version="1.0" encoding="utf-8"?>
+<p:notes xmlns:a="http://schemas.openxmlformats.org/drawingml/2006/main" xmlns:r="http://schemas.openxmlformats.org/officeDocument/2006/relationships" xmlns:mc="http://schemas.openxmlformats.org/markup-compatibility/2006" xmlns:mv="urn:schemas-microsoft-com:mac:vml" xmlns:p="http://schemas.openxmlformats.org/presentationml/2006/main" xmlns:c="http://schemas.openxmlformats.org/drawingml/2006/chart" xmlns:dgm="http://schemas.openxmlformats.org/drawingml/2006/diagram" xmlns:o="urn:schemas-microsoft-com:office:office" xmlns:v="urn:schemas-microsoft-com:vml" xmlns:pvml="urn:schemas-microsoft-com:office:powerpoint" xmlns:com="http://schemas.openxmlformats.org/drawingml/2006/compatibility" xmlns:p14="http://schemas.microsoft.com/office/powerpoint/2010/main" showMasterPhAnim="0" showMasterSp="0">
+  <p:cSld>
+    <p:spTree>
+      <p:nvGrpSpPr>
+        <p:cNvPr id="66" name="Shape 66"/>
+        <p:cNvGrpSpPr/>
+        <p:nvPr/>
+      </p:nvGrpSpPr>
+      <p:grpSpPr>
+        <a:xfrm>
+          <a:off x="0" y="0"/>
+          <a:ext cx="0" cy="0"/>
+          <a:chOff x="0" y="0"/>
+          <a:chExt cx="0" cy="0"/>
+        </a:xfrm>
+      </p:grpSpPr>
+      <p:sp>
+        <p:nvSpPr>
+          <p:cNvPr id="67" name="Shape 67"/>
+          <p:cNvSpPr/>
+          <p:nvPr>
+            <p:ph idx="2" type="sldImg"/>
+          </p:nvPr>
+        </p:nvSpPr>
+        <p:spPr>
+          <a:xfrm>
+            <a:off x="381187" y="685800"/>
+            <a:ext cx="6096299" cy="3429000"/>
+          </a:xfrm>
+          <a:custGeom>
+            <a:pathLst>
+              <a:path extrusionOk="0" h="120000" w="120000">
+                <a:moveTo>
+                  <a:pt x="0" y="0"/>
+                </a:moveTo>
+                <a:lnTo>
+                  <a:pt x="120000" y="0"/>
+                </a:lnTo>
+                <a:lnTo>
+                  <a:pt x="120000" y="120000"/>
+                </a:lnTo>
+                <a:lnTo>
+                  <a:pt x="0" y="120000"/>
+                </a:lnTo>
+                <a:close/>
+              </a:path>
+            </a:pathLst>
+          </a:custGeom>
+          <a:noFill/>
+          <a:ln cap="flat" w="9525">
+            <a:solidFill>
+              <a:srgbClr val="000000"/>
+            </a:solidFill>
+            <a:prstDash val="solid"/>
+            <a:round/>
+            <a:headEnd len="med" w="med" type="none"/>
+            <a:tailEnd len="med" w="med" type="none"/>
+          </a:ln>
+        </p:spPr>
+      </p:sp>
+      <p:sp>
+        <p:nvSpPr>
+          <p:cNvPr id="68" name="Shape 68"/>
+          <p:cNvSpPr txBox="1"/>
+          <p:nvPr>
+            <p:ph idx="1" type="body"/>
+          </p:nvPr>
+        </p:nvSpPr>
+        <p:spPr>
+          <a:xfrm>
+            <a:off x="685800" y="4343400"/>
+            <a:ext cx="5486399" cy="4114800"/>
+          </a:xfrm>
+          <a:prstGeom prst="rect">
+            <a:avLst/>
+          </a:prstGeom>
+        </p:spPr>
+        <p:txBody>
+          <a:bodyPr anchorCtr="0" anchor="t" bIns="91425" lIns="91425" rIns="91425" tIns="91425">
+            <a:noAutofit/>
+          </a:bodyPr>
+          <a:lstStyle/>
+          <a:p>
+            <a:pPr>
+              <a:spcBef>
+                <a:spcPts val="0"/>
+              </a:spcBef>
+              <a:buNone/>
+            </a:pPr>
+            <a:r>
+              <a:t/>
+            </a:r>
+            <a:endParaRPr/>
+          </a:p>
+        </p:txBody>
+      </p:sp>
+    </p:spTree>
+  </p:cSld>
+  <p:clrMapOvr>
+    <a:masterClrMapping/>
+  </p:clrMapOvr>
+</p:notes>
+</file>
+
+<file path=ppt/notesSlides/notesSlide6.xml><?xml version="1.0" encoding="utf-8"?>
+<p:notes xmlns:a="http://schemas.openxmlformats.org/drawingml/2006/main" xmlns:r="http://schemas.openxmlformats.org/officeDocument/2006/relationships" xmlns:mc="http://schemas.openxmlformats.org/markup-compatibility/2006" xmlns:mv="urn:schemas-microsoft-com:mac:vml" xmlns:p="http://schemas.openxmlformats.org/presentationml/2006/main" xmlns:c="http://schemas.openxmlformats.org/drawingml/2006/chart" xmlns:dgm="http://schemas.openxmlformats.org/drawingml/2006/diagram" xmlns:o="urn:schemas-microsoft-com:office:office" xmlns:v="urn:schemas-microsoft-com:vml" xmlns:pvml="urn:schemas-microsoft-com:office:powerpoint" xmlns:com="http://schemas.openxmlformats.org/drawingml/2006/compatibility" xmlns:p14="http://schemas.microsoft.com/office/powerpoint/2010/main" showMasterPhAnim="0" showMasterSp="0">
+  <p:cSld>
+    <p:spTree>
+      <p:nvGrpSpPr>
+        <p:cNvPr id="72" name="Shape 72"/>
+        <p:cNvGrpSpPr/>
+        <p:nvPr/>
+      </p:nvGrpSpPr>
+      <p:grpSpPr>
+        <a:xfrm>
+          <a:off x="0" y="0"/>
+          <a:ext cx="0" cy="0"/>
+          <a:chOff x="0" y="0"/>
+          <a:chExt cx="0" cy="0"/>
+        </a:xfrm>
+      </p:grpSpPr>
+      <p:sp>
+        <p:nvSpPr>
+          <p:cNvPr id="73" name="Shape 73"/>
+          <p:cNvSpPr/>
+          <p:nvPr>
+            <p:ph idx="2" type="sldImg"/>
+          </p:nvPr>
+        </p:nvSpPr>
+        <p:spPr>
+          <a:xfrm>
+            <a:off x="381187" y="685800"/>
+            <a:ext cx="6096299" cy="3429000"/>
+          </a:xfrm>
+          <a:custGeom>
+            <a:pathLst>
+              <a:path extrusionOk="0" h="120000" w="120000">
+                <a:moveTo>
+                  <a:pt x="0" y="0"/>
+                </a:moveTo>
+                <a:lnTo>
+                  <a:pt x="120000" y="0"/>
+                </a:lnTo>
+                <a:lnTo>
+                  <a:pt x="120000" y="120000"/>
+                </a:lnTo>
+                <a:lnTo>
+                  <a:pt x="0" y="120000"/>
+                </a:lnTo>
+                <a:close/>
+              </a:path>
+            </a:pathLst>
+          </a:custGeom>
+          <a:noFill/>
+          <a:ln cap="flat" w="9525">
+            <a:solidFill>
+              <a:srgbClr val="000000"/>
+            </a:solidFill>
+            <a:prstDash val="solid"/>
+            <a:round/>
+            <a:headEnd len="med" w="med" type="none"/>
+            <a:tailEnd len="med" w="med" type="none"/>
+          </a:ln>
+        </p:spPr>
+      </p:sp>
+      <p:sp>
+        <p:nvSpPr>
+          <p:cNvPr id="74" name="Shape 74"/>
+          <p:cNvSpPr txBox="1"/>
+          <p:nvPr>
+            <p:ph idx="1" type="body"/>
+          </p:nvPr>
+        </p:nvSpPr>
+        <p:spPr>
+          <a:xfrm>
+            <a:off x="685800" y="4343400"/>
+            <a:ext cx="5486399" cy="4114800"/>
+          </a:xfrm>
+          <a:prstGeom prst="rect">
+            <a:avLst/>
+          </a:prstGeom>
+        </p:spPr>
+        <p:txBody>
+          <a:bodyPr anchorCtr="0" anchor="t" bIns="91425" lIns="91425" rIns="91425" tIns="91425">
+            <a:noAutofit/>
+          </a:bodyPr>
+          <a:lstStyle/>
+          <a:p>
+            <a:pPr>
+              <a:spcBef>
+                <a:spcPts val="0"/>
+              </a:spcBef>
+              <a:buNone/>
+            </a:pPr>
+            <a:r>
+              <a:t/>
+            </a:r>
+            <a:endParaRPr/>
+          </a:p>
+        </p:txBody>
+      </p:sp>
+    </p:spTree>
+  </p:cSld>
+  <p:clrMapOvr>
+    <a:masterClrMapping/>
+  </p:clrMapOvr>
+</p:notes>
+</file>
+
+<file path=ppt/notesSlides/notesSlide7.xml><?xml version="1.0" encoding="utf-8"?>
+<p:notes xmlns:a="http://schemas.openxmlformats.org/drawingml/2006/main" xmlns:r="http://schemas.openxmlformats.org/officeDocument/2006/relationships" xmlns:mc="http://schemas.openxmlformats.org/markup-compatibility/2006" xmlns:mv="urn:schemas-microsoft-com:mac:vml" xmlns:p="http://schemas.openxmlformats.org/presentationml/2006/main" xmlns:c="http://schemas.openxmlformats.org/drawingml/2006/chart" xmlns:dgm="http://schemas.openxmlformats.org/drawingml/2006/diagram" xmlns:o="urn:schemas-microsoft-com:office:office" xmlns:v="urn:schemas-microsoft-com:vml" xmlns:pvml="urn:schemas-microsoft-com:office:powerpoint" xmlns:com="http://schemas.openxmlformats.org/drawingml/2006/compatibility" xmlns:p14="http://schemas.microsoft.com/office/powerpoint/2010/main" showMasterPhAnim="0" showMasterSp="0">
+  <p:cSld>
+    <p:spTree>
+      <p:nvGrpSpPr>
+        <p:cNvPr id="78" name="Shape 78"/>
+        <p:cNvGrpSpPr/>
+        <p:nvPr/>
+      </p:nvGrpSpPr>
+      <p:grpSpPr>
+        <a:xfrm>
+          <a:off x="0" y="0"/>
+          <a:ext cx="0" cy="0"/>
+          <a:chOff x="0" y="0"/>
+          <a:chExt cx="0" cy="0"/>
+        </a:xfrm>
+      </p:grpSpPr>
+      <p:sp>
+        <p:nvSpPr>
+          <p:cNvPr id="79" name="Shape 79"/>
+          <p:cNvSpPr/>
+          <p:nvPr>
+            <p:ph idx="2" type="sldImg"/>
+          </p:nvPr>
+        </p:nvSpPr>
+        <p:spPr>
+          <a:xfrm>
+            <a:off x="381187" y="685800"/>
+            <a:ext cx="6096299" cy="3429000"/>
+          </a:xfrm>
+          <a:custGeom>
+            <a:pathLst>
+              <a:path extrusionOk="0" h="120000" w="120000">
+                <a:moveTo>
+                  <a:pt x="0" y="0"/>
+                </a:moveTo>
+                <a:lnTo>
+                  <a:pt x="120000" y="0"/>
+                </a:lnTo>
+                <a:lnTo>
+                  <a:pt x="120000" y="120000"/>
+                </a:lnTo>
+                <a:lnTo>
+                  <a:pt x="0" y="120000"/>
+                </a:lnTo>
+                <a:close/>
+              </a:path>
+            </a:pathLst>
+          </a:custGeom>
+          <a:noFill/>
+          <a:ln cap="flat" w="9525">
+            <a:solidFill>
+              <a:srgbClr val="000000"/>
+            </a:solidFill>
+            <a:prstDash val="solid"/>
+            <a:round/>
+            <a:headEnd len="med" w="med" type="none"/>
+            <a:tailEnd len="med" w="med" type="none"/>
+          </a:ln>
+        </p:spPr>
+      </p:sp>
+      <p:sp>
+        <p:nvSpPr>
           <p:cNvPr id="80" name="Shape 80"/>
+          <p:cNvSpPr txBox="1"/>
+          <p:nvPr>
+            <p:ph idx="1" type="body"/>
+          </p:nvPr>
+        </p:nvSpPr>
+        <p:spPr>
+          <a:xfrm>
+            <a:off x="685800" y="4343400"/>
+            <a:ext cx="5486399" cy="4114800"/>
+          </a:xfrm>
+          <a:prstGeom prst="rect">
+            <a:avLst/>
+          </a:prstGeom>
+        </p:spPr>
+        <p:txBody>
+          <a:bodyPr anchorCtr="0" anchor="t" bIns="91425" lIns="91425" rIns="91425" tIns="91425">
+            <a:noAutofit/>
+          </a:bodyPr>
+          <a:lstStyle/>
+          <a:p>
+            <a:pPr>
+              <a:spcBef>
+                <a:spcPts val="0"/>
+              </a:spcBef>
+              <a:buNone/>
+            </a:pPr>
+            <a:r>
+              <a:t/>
+            </a:r>
+            <a:endParaRPr/>
+          </a:p>
+        </p:txBody>
+      </p:sp>
+    </p:spTree>
+  </p:cSld>
+  <p:clrMapOvr>
+    <a:masterClrMapping/>
+  </p:clrMapOvr>
+</p:notes>
+</file>
+
+<file path=ppt/notesSlides/notesSlide8.xml><?xml version="1.0" encoding="utf-8"?>
+<p:notes xmlns:a="http://schemas.openxmlformats.org/drawingml/2006/main" xmlns:r="http://schemas.openxmlformats.org/officeDocument/2006/relationships" xmlns:mc="http://schemas.openxmlformats.org/markup-compatibility/2006" xmlns:mv="urn:schemas-microsoft-com:mac:vml" xmlns:p="http://schemas.openxmlformats.org/presentationml/2006/main" xmlns:c="http://schemas.openxmlformats.org/drawingml/2006/chart" xmlns:dgm="http://schemas.openxmlformats.org/drawingml/2006/diagram" xmlns:o="urn:schemas-microsoft-com:office:office" xmlns:v="urn:schemas-microsoft-com:vml" xmlns:pvml="urn:schemas-microsoft-com:office:powerpoint" xmlns:com="http://schemas.openxmlformats.org/drawingml/2006/compatibility" xmlns:p14="http://schemas.microsoft.com/office/powerpoint/2010/main" showMasterPhAnim="0" showMasterSp="0">
+  <p:cSld>
+    <p:spTree>
+      <p:nvGrpSpPr>
+        <p:cNvPr id="84" name="Shape 84"/>
+        <p:cNvGrpSpPr/>
+        <p:nvPr/>
+      </p:nvGrpSpPr>
+      <p:grpSpPr>
+        <a:xfrm>
+          <a:off x="0" y="0"/>
+          <a:ext cx="0" cy="0"/>
+          <a:chOff x="0" y="0"/>
+          <a:chExt cx="0" cy="0"/>
+        </a:xfrm>
+      </p:grpSpPr>
+      <p:sp>
+        <p:nvSpPr>
+          <p:cNvPr id="85" name="Shape 85"/>
+          <p:cNvSpPr/>
+          <p:nvPr>
+            <p:ph idx="2" type="sldImg"/>
+          </p:nvPr>
+        </p:nvSpPr>
+        <p:spPr>
+          <a:xfrm>
+            <a:off x="381187" y="685800"/>
+            <a:ext cx="6096299" cy="3429000"/>
+          </a:xfrm>
+          <a:custGeom>
+            <a:pathLst>
+              <a:path extrusionOk="0" h="120000" w="120000">
+                <a:moveTo>
+                  <a:pt x="0" y="0"/>
+                </a:moveTo>
+                <a:lnTo>
+                  <a:pt x="120000" y="0"/>
+                </a:lnTo>
+                <a:lnTo>
+                  <a:pt x="120000" y="120000"/>
+                </a:lnTo>
+                <a:lnTo>
+                  <a:pt x="0" y="120000"/>
+                </a:lnTo>
+                <a:close/>
+              </a:path>
+            </a:pathLst>
+          </a:custGeom>
+          <a:noFill/>
+          <a:ln cap="flat" w="9525">
+            <a:solidFill>
+              <a:srgbClr val="000000"/>
+            </a:solidFill>
+            <a:prstDash val="solid"/>
+            <a:round/>
+            <a:headEnd len="med" w="med" type="none"/>
+            <a:tailEnd len="med" w="med" type="none"/>
+          </a:ln>
+        </p:spPr>
+      </p:sp>
+      <p:sp>
+        <p:nvSpPr>
+          <p:cNvPr id="86" name="Shape 86"/>
+          <p:cNvSpPr txBox="1"/>
+          <p:nvPr>
+            <p:ph idx="1" type="body"/>
+          </p:nvPr>
+        </p:nvSpPr>
+        <p:spPr>
+          <a:xfrm>
+            <a:off x="685800" y="4343400"/>
+            <a:ext cx="5486399" cy="4114800"/>
+          </a:xfrm>
+          <a:prstGeom prst="rect">
+            <a:avLst/>
+          </a:prstGeom>
+        </p:spPr>
+        <p:txBody>
+          <a:bodyPr anchorCtr="0" anchor="t" bIns="91425" lIns="91425" rIns="91425" tIns="91425">
+            <a:noAutofit/>
+          </a:bodyPr>
+          <a:lstStyle/>
+          <a:p>
+            <a:pPr>
+              <a:spcBef>
+                <a:spcPts val="0"/>
+              </a:spcBef>
+              <a:buNone/>
+            </a:pPr>
+            <a:r>
+              <a:t/>
+            </a:r>
+            <a:endParaRPr/>
+          </a:p>
+        </p:txBody>
+      </p:sp>
+    </p:spTree>
+  </p:cSld>
+  <p:clrMapOvr>
+    <a:masterClrMapping/>
+  </p:clrMapOvr>
+</p:notes>
+</file>
+
+<file path=ppt/notesSlides/notesSlide9.xml><?xml version="1.0" encoding="utf-8"?>
+<p:notes xmlns:a="http://schemas.openxmlformats.org/drawingml/2006/main" xmlns:r="http://schemas.openxmlformats.org/officeDocument/2006/relationships" xmlns:mc="http://schemas.openxmlformats.org/markup-compatibility/2006" xmlns:mv="urn:schemas-microsoft-com:mac:vml" xmlns:p="http://schemas.openxmlformats.org/presentationml/2006/main" xmlns:c="http://schemas.openxmlformats.org/drawingml/2006/chart" xmlns:dgm="http://schemas.openxmlformats.org/drawingml/2006/diagram" xmlns:o="urn:schemas-microsoft-com:office:office" xmlns:v="urn:schemas-microsoft-com:vml" xmlns:pvml="urn:schemas-microsoft-com:office:powerpoint" xmlns:com="http://schemas.openxmlformats.org/drawingml/2006/compatibility" xmlns:p14="http://schemas.microsoft.com/office/powerpoint/2010/main" showMasterPhAnim="0" showMasterSp="0">
+  <p:cSld>
+    <p:spTree>
+      <p:nvGrpSpPr>
+        <p:cNvPr id="90" name="Shape 90"/>
+        <p:cNvGrpSpPr/>
+        <p:nvPr/>
+      </p:nvGrpSpPr>
+      <p:grpSpPr>
+        <a:xfrm>
+          <a:off x="0" y="0"/>
+          <a:ext cx="0" cy="0"/>
+          <a:chOff x="0" y="0"/>
+          <a:chExt cx="0" cy="0"/>
+        </a:xfrm>
+      </p:grpSpPr>
+      <p:sp>
+        <p:nvSpPr>
+          <p:cNvPr id="91" name="Shape 91"/>
+          <p:cNvSpPr/>
+          <p:nvPr>
+            <p:ph idx="2" type="sldImg"/>
+          </p:nvPr>
+        </p:nvSpPr>
+        <p:spPr>
+          <a:xfrm>
+            <a:off x="381187" y="685800"/>
+            <a:ext cx="6096299" cy="3429000"/>
+          </a:xfrm>
+          <a:custGeom>
+            <a:pathLst>
+              <a:path extrusionOk="0" h="120000" w="120000">
+                <a:moveTo>
+                  <a:pt x="0" y="0"/>
+                </a:moveTo>
+                <a:lnTo>
+                  <a:pt x="120000" y="0"/>
+                </a:lnTo>
+                <a:lnTo>
+                  <a:pt x="120000" y="120000"/>
+                </a:lnTo>
+                <a:lnTo>
+                  <a:pt x="0" y="120000"/>
+                </a:lnTo>
+                <a:close/>
+              </a:path>
+            </a:pathLst>
+          </a:custGeom>
+          <a:noFill/>
+          <a:ln cap="flat" w="9525">
+            <a:solidFill>
+              <a:srgbClr val="000000"/>
+            </a:solidFill>
+            <a:prstDash val="solid"/>
+            <a:round/>
+            <a:headEnd len="med" w="med" type="none"/>
+            <a:tailEnd len="med" w="med" type="none"/>
+          </a:ln>
+        </p:spPr>
+      </p:sp>
+      <p:sp>
+        <p:nvSpPr>
+          <p:cNvPr id="92" name="Shape 92"/>
           <p:cNvSpPr txBox="1"/>
           <p:nvPr>
             <p:ph idx="1" type="body"/>
@@ -3622,6 +4364,466 @@
 </p:sld>
 </file>
 
+<file path=ppt/slides/slide10.xml><?xml version="1.0" encoding="utf-8"?>
+<p:sld xmlns:a="http://schemas.openxmlformats.org/drawingml/2006/main" xmlns:r="http://schemas.openxmlformats.org/officeDocument/2006/relationships" xmlns:mc="http://schemas.openxmlformats.org/markup-compatibility/2006" xmlns:mv="urn:schemas-microsoft-com:mac:vml" xmlns:p="http://schemas.openxmlformats.org/presentationml/2006/main" xmlns:c="http://schemas.openxmlformats.org/drawingml/2006/chart" xmlns:dgm="http://schemas.openxmlformats.org/drawingml/2006/diagram" xmlns:o="urn:schemas-microsoft-com:office:office" xmlns:v="urn:schemas-microsoft-com:vml" xmlns:pvml="urn:schemas-microsoft-com:office:powerpoint" xmlns:com="http://schemas.openxmlformats.org/drawingml/2006/compatibility" xmlns:p14="http://schemas.microsoft.com/office/powerpoint/2010/main">
+  <p:cSld>
+    <p:spTree>
+      <p:nvGrpSpPr>
+        <p:cNvPr id="93" name="Shape 93"/>
+        <p:cNvGrpSpPr/>
+        <p:nvPr/>
+      </p:nvGrpSpPr>
+      <p:grpSpPr>
+        <a:xfrm>
+          <a:off x="0" y="0"/>
+          <a:ext cx="0" cy="0"/>
+          <a:chOff x="0" y="0"/>
+          <a:chExt cx="0" cy="0"/>
+        </a:xfrm>
+      </p:grpSpPr>
+      <p:sp>
+        <p:nvSpPr>
+          <p:cNvPr id="94" name="Shape 94"/>
+          <p:cNvSpPr txBox="1"/>
+          <p:nvPr>
+            <p:ph type="title"/>
+          </p:nvPr>
+        </p:nvSpPr>
+        <p:spPr>
+          <a:xfrm>
+            <a:off x="457200" y="205978"/>
+            <a:ext cx="8229600" cy="857400"/>
+          </a:xfrm>
+          <a:prstGeom prst="rect">
+            <a:avLst/>
+          </a:prstGeom>
+        </p:spPr>
+        <p:txBody>
+          <a:bodyPr anchorCtr="0" anchor="b" bIns="91425" lIns="91425" rIns="91425" tIns="91425">
+            <a:noAutofit/>
+          </a:bodyPr>
+          <a:lstStyle/>
+          <a:p>
+            <a:pPr>
+              <a:spcBef>
+                <a:spcPts val="0"/>
+              </a:spcBef>
+              <a:buNone/>
+            </a:pPr>
+            <a:r>
+              <a:rPr lang="en"/>
+              <a:t>Day Four Get Upstream commits</a:t>
+            </a:r>
+          </a:p>
+        </p:txBody>
+      </p:sp>
+      <p:pic>
+        <p:nvPicPr>
+          <p:cNvPr id="95" name="Shape 95"/>
+          <p:cNvPicPr preferRelativeResize="0"/>
+          <p:nvPr/>
+        </p:nvPicPr>
+        <p:blipFill>
+          <a:blip r:embed="rId3">
+            <a:alphaModFix/>
+          </a:blip>
+          <a:stretch>
+            <a:fillRect/>
+          </a:stretch>
+        </p:blipFill>
+        <p:spPr>
+          <a:xfrm>
+            <a:off x="2322937" y="1645825"/>
+            <a:ext cx="4143375" cy="3238500"/>
+          </a:xfrm>
+          <a:prstGeom prst="rect">
+            <a:avLst/>
+          </a:prstGeom>
+          <a:noFill/>
+          <a:ln>
+            <a:noFill/>
+          </a:ln>
+        </p:spPr>
+      </p:pic>
+    </p:spTree>
+  </p:cSld>
+  <p:clrMapOvr>
+    <a:masterClrMapping/>
+  </p:clrMapOvr>
+  <p:transition spd="slow">
+    <p:cut/>
+  </p:transition>
+</p:sld>
+</file>
+
+<file path=ppt/slides/slide11.xml><?xml version="1.0" encoding="utf-8"?>
+<p:sld xmlns:a="http://schemas.openxmlformats.org/drawingml/2006/main" xmlns:r="http://schemas.openxmlformats.org/officeDocument/2006/relationships" xmlns:mc="http://schemas.openxmlformats.org/markup-compatibility/2006" xmlns:mv="urn:schemas-microsoft-com:mac:vml" xmlns:p="http://schemas.openxmlformats.org/presentationml/2006/main" xmlns:c="http://schemas.openxmlformats.org/drawingml/2006/chart" xmlns:dgm="http://schemas.openxmlformats.org/drawingml/2006/diagram" xmlns:o="urn:schemas-microsoft-com:office:office" xmlns:v="urn:schemas-microsoft-com:vml" xmlns:pvml="urn:schemas-microsoft-com:office:powerpoint" xmlns:com="http://schemas.openxmlformats.org/drawingml/2006/compatibility" xmlns:p14="http://schemas.microsoft.com/office/powerpoint/2010/main">
+  <p:cSld>
+    <p:spTree>
+      <p:nvGrpSpPr>
+        <p:cNvPr id="99" name="Shape 99"/>
+        <p:cNvGrpSpPr/>
+        <p:nvPr/>
+      </p:nvGrpSpPr>
+      <p:grpSpPr>
+        <a:xfrm>
+          <a:off x="0" y="0"/>
+          <a:ext cx="0" cy="0"/>
+          <a:chOff x="0" y="0"/>
+          <a:chExt cx="0" cy="0"/>
+        </a:xfrm>
+      </p:grpSpPr>
+      <p:sp>
+        <p:nvSpPr>
+          <p:cNvPr id="100" name="Shape 100"/>
+          <p:cNvSpPr txBox="1"/>
+          <p:nvPr>
+            <p:ph type="title"/>
+          </p:nvPr>
+        </p:nvSpPr>
+        <p:spPr>
+          <a:xfrm>
+            <a:off x="457200" y="205978"/>
+            <a:ext cx="8229600" cy="857400"/>
+          </a:xfrm>
+          <a:prstGeom prst="rect">
+            <a:avLst/>
+          </a:prstGeom>
+        </p:spPr>
+        <p:txBody>
+          <a:bodyPr anchorCtr="0" anchor="b" bIns="91425" lIns="91425" rIns="91425" tIns="91425">
+            <a:noAutofit/>
+          </a:bodyPr>
+          <a:lstStyle/>
+          <a:p>
+            <a:pPr>
+              <a:spcBef>
+                <a:spcPts val="0"/>
+              </a:spcBef>
+              <a:buNone/>
+            </a:pPr>
+            <a:r>
+              <a:rPr lang="en"/>
+              <a:t>Rebase and add last commit</a:t>
+            </a:r>
+          </a:p>
+        </p:txBody>
+      </p:sp>
+      <p:pic>
+        <p:nvPicPr>
+          <p:cNvPr id="101" name="Shape 101"/>
+          <p:cNvPicPr preferRelativeResize="0"/>
+          <p:nvPr/>
+        </p:nvPicPr>
+        <p:blipFill>
+          <a:blip r:embed="rId3">
+            <a:alphaModFix/>
+          </a:blip>
+          <a:stretch>
+            <a:fillRect/>
+          </a:stretch>
+        </p:blipFill>
+        <p:spPr>
+          <a:xfrm>
+            <a:off x="1233475" y="1355600"/>
+            <a:ext cx="6677025" cy="3238500"/>
+          </a:xfrm>
+          <a:prstGeom prst="rect">
+            <a:avLst/>
+          </a:prstGeom>
+          <a:noFill/>
+          <a:ln>
+            <a:noFill/>
+          </a:ln>
+        </p:spPr>
+      </p:pic>
+    </p:spTree>
+  </p:cSld>
+  <p:clrMapOvr>
+    <a:masterClrMapping/>
+  </p:clrMapOvr>
+  <p:transition spd="slow">
+    <p:cut/>
+  </p:transition>
+</p:sld>
+</file>
+
+<file path=ppt/slides/slide12.xml><?xml version="1.0" encoding="utf-8"?>
+<p:sld xmlns:a="http://schemas.openxmlformats.org/drawingml/2006/main" xmlns:r="http://schemas.openxmlformats.org/officeDocument/2006/relationships" xmlns:mc="http://schemas.openxmlformats.org/markup-compatibility/2006" xmlns:mv="urn:schemas-microsoft-com:mac:vml" xmlns:p="http://schemas.openxmlformats.org/presentationml/2006/main" xmlns:c="http://schemas.openxmlformats.org/drawingml/2006/chart" xmlns:dgm="http://schemas.openxmlformats.org/drawingml/2006/diagram" xmlns:o="urn:schemas-microsoft-com:office:office" xmlns:v="urn:schemas-microsoft-com:vml" xmlns:pvml="urn:schemas-microsoft-com:office:powerpoint" xmlns:com="http://schemas.openxmlformats.org/drawingml/2006/compatibility" xmlns:p14="http://schemas.microsoft.com/office/powerpoint/2010/main">
+  <p:cSld>
+    <p:spTree>
+      <p:nvGrpSpPr>
+        <p:cNvPr id="105" name="Shape 105"/>
+        <p:cNvGrpSpPr/>
+        <p:nvPr/>
+      </p:nvGrpSpPr>
+      <p:grpSpPr>
+        <a:xfrm>
+          <a:off x="0" y="0"/>
+          <a:ext cx="0" cy="0"/>
+          <a:chOff x="0" y="0"/>
+          <a:chExt cx="0" cy="0"/>
+        </a:xfrm>
+      </p:grpSpPr>
+      <p:sp>
+        <p:nvSpPr>
+          <p:cNvPr id="106" name="Shape 106"/>
+          <p:cNvSpPr txBox="1"/>
+          <p:nvPr>
+            <p:ph type="title"/>
+          </p:nvPr>
+        </p:nvSpPr>
+        <p:spPr>
+          <a:xfrm>
+            <a:off x="457200" y="205978"/>
+            <a:ext cx="8229600" cy="857400"/>
+          </a:xfrm>
+          <a:prstGeom prst="rect">
+            <a:avLst/>
+          </a:prstGeom>
+        </p:spPr>
+        <p:txBody>
+          <a:bodyPr anchorCtr="0" anchor="b" bIns="91425" lIns="91425" rIns="91425" tIns="91425">
+            <a:noAutofit/>
+          </a:bodyPr>
+          <a:lstStyle/>
+          <a:p>
+            <a:pPr>
+              <a:spcBef>
+                <a:spcPts val="0"/>
+              </a:spcBef>
+              <a:buNone/>
+            </a:pPr>
+            <a:r>
+              <a:rPr lang="en"/>
+              <a:t>Squash Feature Branch</a:t>
+            </a:r>
+          </a:p>
+        </p:txBody>
+      </p:sp>
+      <p:pic>
+        <p:nvPicPr>
+          <p:cNvPr id="107" name="Shape 107"/>
+          <p:cNvPicPr preferRelativeResize="0"/>
+          <p:nvPr/>
+        </p:nvPicPr>
+        <p:blipFill>
+          <a:blip r:embed="rId3">
+            <a:alphaModFix/>
+          </a:blip>
+          <a:stretch>
+            <a:fillRect/>
+          </a:stretch>
+        </p:blipFill>
+        <p:spPr>
+          <a:xfrm>
+            <a:off x="2281937" y="1671475"/>
+            <a:ext cx="4257675" cy="3219450"/>
+          </a:xfrm>
+          <a:prstGeom prst="rect">
+            <a:avLst/>
+          </a:prstGeom>
+          <a:noFill/>
+          <a:ln>
+            <a:noFill/>
+          </a:ln>
+        </p:spPr>
+      </p:pic>
+    </p:spTree>
+  </p:cSld>
+  <p:clrMapOvr>
+    <a:masterClrMapping/>
+  </p:clrMapOvr>
+  <p:transition spd="slow">
+    <p:cut/>
+  </p:transition>
+</p:sld>
+</file>
+
+<file path=ppt/slides/slide13.xml><?xml version="1.0" encoding="utf-8"?>
+<p:sld xmlns:a="http://schemas.openxmlformats.org/drawingml/2006/main" xmlns:r="http://schemas.openxmlformats.org/officeDocument/2006/relationships" xmlns:mc="http://schemas.openxmlformats.org/markup-compatibility/2006" xmlns:mv="urn:schemas-microsoft-com:mac:vml" xmlns:p="http://schemas.openxmlformats.org/presentationml/2006/main" xmlns:c="http://schemas.openxmlformats.org/drawingml/2006/chart" xmlns:dgm="http://schemas.openxmlformats.org/drawingml/2006/diagram" xmlns:o="urn:schemas-microsoft-com:office:office" xmlns:v="urn:schemas-microsoft-com:vml" xmlns:pvml="urn:schemas-microsoft-com:office:powerpoint" xmlns:com="http://schemas.openxmlformats.org/drawingml/2006/compatibility" xmlns:p14="http://schemas.microsoft.com/office/powerpoint/2010/main">
+  <p:cSld>
+    <p:spTree>
+      <p:nvGrpSpPr>
+        <p:cNvPr id="111" name="Shape 111"/>
+        <p:cNvGrpSpPr/>
+        <p:nvPr/>
+      </p:nvGrpSpPr>
+      <p:grpSpPr>
+        <a:xfrm>
+          <a:off x="0" y="0"/>
+          <a:ext cx="0" cy="0"/>
+          <a:chOff x="0" y="0"/>
+          <a:chExt cx="0" cy="0"/>
+        </a:xfrm>
+      </p:grpSpPr>
+      <p:sp>
+        <p:nvSpPr>
+          <p:cNvPr id="112" name="Shape 112"/>
+          <p:cNvSpPr txBox="1"/>
+          <p:nvPr>
+            <p:ph type="title"/>
+          </p:nvPr>
+        </p:nvSpPr>
+        <p:spPr>
+          <a:xfrm>
+            <a:off x="457200" y="205978"/>
+            <a:ext cx="8229600" cy="857400"/>
+          </a:xfrm>
+          <a:prstGeom prst="rect">
+            <a:avLst/>
+          </a:prstGeom>
+        </p:spPr>
+        <p:txBody>
+          <a:bodyPr anchorCtr="0" anchor="b" bIns="91425" lIns="91425" rIns="91425" tIns="91425">
+            <a:noAutofit/>
+          </a:bodyPr>
+          <a:lstStyle/>
+          <a:p>
+            <a:pPr>
+              <a:spcBef>
+                <a:spcPts val="0"/>
+              </a:spcBef>
+              <a:buNone/>
+            </a:pPr>
+            <a:r>
+              <a:rPr lang="en"/>
+              <a:t>Feature PR Accepted</a:t>
+            </a:r>
+          </a:p>
+        </p:txBody>
+      </p:sp>
+      <p:pic>
+        <p:nvPicPr>
+          <p:cNvPr id="113" name="Shape 113"/>
+          <p:cNvPicPr preferRelativeResize="0"/>
+          <p:nvPr/>
+        </p:nvPicPr>
+        <p:blipFill>
+          <a:blip r:embed="rId3">
+            <a:alphaModFix/>
+          </a:blip>
+          <a:stretch>
+            <a:fillRect/>
+          </a:stretch>
+        </p:blipFill>
+        <p:spPr>
+          <a:xfrm>
+            <a:off x="2166887" y="1505462"/>
+            <a:ext cx="4391025" cy="3228975"/>
+          </a:xfrm>
+          <a:prstGeom prst="rect">
+            <a:avLst/>
+          </a:prstGeom>
+          <a:noFill/>
+          <a:ln>
+            <a:noFill/>
+          </a:ln>
+        </p:spPr>
+      </p:pic>
+    </p:spTree>
+  </p:cSld>
+  <p:clrMapOvr>
+    <a:masterClrMapping/>
+  </p:clrMapOvr>
+  <p:transition spd="slow">
+    <p:cut/>
+  </p:transition>
+</p:sld>
+</file>
+
+<file path=ppt/slides/slide14.xml><?xml version="1.0" encoding="utf-8"?>
+<p:sld xmlns:a="http://schemas.openxmlformats.org/drawingml/2006/main" xmlns:r="http://schemas.openxmlformats.org/officeDocument/2006/relationships" xmlns:mc="http://schemas.openxmlformats.org/markup-compatibility/2006" xmlns:mv="urn:schemas-microsoft-com:mac:vml" xmlns:p="http://schemas.openxmlformats.org/presentationml/2006/main" xmlns:c="http://schemas.openxmlformats.org/drawingml/2006/chart" xmlns:dgm="http://schemas.openxmlformats.org/drawingml/2006/diagram" xmlns:o="urn:schemas-microsoft-com:office:office" xmlns:v="urn:schemas-microsoft-com:vml" xmlns:pvml="urn:schemas-microsoft-com:office:powerpoint" xmlns:com="http://schemas.openxmlformats.org/drawingml/2006/compatibility" xmlns:p14="http://schemas.microsoft.com/office/powerpoint/2010/main">
+  <p:cSld>
+    <p:spTree>
+      <p:nvGrpSpPr>
+        <p:cNvPr id="117" name="Shape 117"/>
+        <p:cNvGrpSpPr/>
+        <p:nvPr/>
+      </p:nvGrpSpPr>
+      <p:grpSpPr>
+        <a:xfrm>
+          <a:off x="0" y="0"/>
+          <a:ext cx="0" cy="0"/>
+          <a:chOff x="0" y="0"/>
+          <a:chExt cx="0" cy="0"/>
+        </a:xfrm>
+      </p:grpSpPr>
+      <p:sp>
+        <p:nvSpPr>
+          <p:cNvPr id="118" name="Shape 118"/>
+          <p:cNvSpPr txBox="1"/>
+          <p:nvPr>
+            <p:ph type="title"/>
+          </p:nvPr>
+        </p:nvSpPr>
+        <p:spPr>
+          <a:xfrm>
+            <a:off x="457200" y="205978"/>
+            <a:ext cx="8229600" cy="857400"/>
+          </a:xfrm>
+          <a:prstGeom prst="rect">
+            <a:avLst/>
+          </a:prstGeom>
+        </p:spPr>
+        <p:txBody>
+          <a:bodyPr anchorCtr="0" anchor="b" bIns="91425" lIns="91425" rIns="91425" tIns="91425">
+            <a:noAutofit/>
+          </a:bodyPr>
+          <a:lstStyle/>
+          <a:p>
+            <a:pPr>
+              <a:spcBef>
+                <a:spcPts val="0"/>
+              </a:spcBef>
+              <a:buNone/>
+            </a:pPr>
+            <a:r>
+              <a:rPr lang="en"/>
+              <a:t>Get Upstream after accept PR</a:t>
+            </a:r>
+          </a:p>
+        </p:txBody>
+      </p:sp>
+      <p:pic>
+        <p:nvPicPr>
+          <p:cNvPr id="119" name="Shape 119"/>
+          <p:cNvPicPr preferRelativeResize="0"/>
+          <p:nvPr/>
+        </p:nvPicPr>
+        <p:blipFill>
+          <a:blip r:embed="rId3">
+            <a:alphaModFix/>
+          </a:blip>
+          <a:stretch>
+            <a:fillRect/>
+          </a:stretch>
+        </p:blipFill>
+        <p:spPr>
+          <a:xfrm>
+            <a:off x="2205737" y="1505462"/>
+            <a:ext cx="4410075" cy="3228975"/>
+          </a:xfrm>
+          <a:prstGeom prst="rect">
+            <a:avLst/>
+          </a:prstGeom>
+          <a:noFill/>
+          <a:ln>
+            <a:noFill/>
+          </a:ln>
+        </p:spPr>
+      </p:pic>
+    </p:spTree>
+  </p:cSld>
+  <p:clrMapOvr>
+    <a:masterClrMapping/>
+  </p:clrMapOvr>
+  <p:transition spd="slow">
+    <p:cut/>
+  </p:transition>
+</p:sld>
+</file>
+
 <file path=ppt/slides/slide2.xml><?xml version="1.0" encoding="utf-8"?>
 <p:sld xmlns:a="http://schemas.openxmlformats.org/drawingml/2006/main" xmlns:r="http://schemas.openxmlformats.org/officeDocument/2006/relationships" xmlns:mc="http://schemas.openxmlformats.org/markup-compatibility/2006" xmlns:mv="urn:schemas-microsoft-com:mac:vml" xmlns:p="http://schemas.openxmlformats.org/presentationml/2006/main" xmlns:c="http://schemas.openxmlformats.org/drawingml/2006/chart" xmlns:dgm="http://schemas.openxmlformats.org/drawingml/2006/diagram" xmlns:o="urn:schemas-microsoft-com:office:office" xmlns:v="urn:schemas-microsoft-com:vml" xmlns:pvml="urn:schemas-microsoft-com:office:powerpoint" xmlns:com="http://schemas.openxmlformats.org/drawingml/2006/compatibility" xmlns:p14="http://schemas.microsoft.com/office/powerpoint/2010/main">
   <p:cSld>
@@ -4350,31 +5552,87 @@
               <a:buNone/>
             </a:pPr>
             <a:r>
-              <a:t/>
+              <a:rPr lang="en" sz="3000"/>
+              <a:t>Day One Forked Copy &amp; Created Feature Branch with one commit</a:t>
             </a:r>
-            <a:endParaRPr/>
           </a:p>
         </p:txBody>
       </p:sp>
-      <p:sp>
-        <p:nvSpPr>
+      <p:pic>
+        <p:nvPicPr>
           <p:cNvPr id="77" name="Shape 77"/>
+          <p:cNvPicPr preferRelativeResize="0"/>
+          <p:nvPr/>
+        </p:nvPicPr>
+        <p:blipFill>
+          <a:blip r:embed="rId3">
+            <a:alphaModFix/>
+          </a:blip>
+          <a:stretch>
+            <a:fillRect/>
+          </a:stretch>
+        </p:blipFill>
+        <p:spPr>
+          <a:xfrm>
+            <a:off x="2694312" y="1458025"/>
+            <a:ext cx="2562225" cy="3209925"/>
+          </a:xfrm>
+          <a:prstGeom prst="rect">
+            <a:avLst/>
+          </a:prstGeom>
+          <a:noFill/>
+          <a:ln>
+            <a:noFill/>
+          </a:ln>
+        </p:spPr>
+      </p:pic>
+    </p:spTree>
+  </p:cSld>
+  <p:clrMapOvr>
+    <a:masterClrMapping/>
+  </p:clrMapOvr>
+  <p:transition spd="slow">
+    <p:cut/>
+  </p:transition>
+</p:sld>
+</file>
+
+<file path=ppt/slides/slide8.xml><?xml version="1.0" encoding="utf-8"?>
+<p:sld xmlns:a="http://schemas.openxmlformats.org/drawingml/2006/main" xmlns:r="http://schemas.openxmlformats.org/officeDocument/2006/relationships" xmlns:mc="http://schemas.openxmlformats.org/markup-compatibility/2006" xmlns:mv="urn:schemas-microsoft-com:mac:vml" xmlns:p="http://schemas.openxmlformats.org/presentationml/2006/main" xmlns:c="http://schemas.openxmlformats.org/drawingml/2006/chart" xmlns:dgm="http://schemas.openxmlformats.org/drawingml/2006/diagram" xmlns:o="urn:schemas-microsoft-com:office:office" xmlns:v="urn:schemas-microsoft-com:vml" xmlns:pvml="urn:schemas-microsoft-com:office:powerpoint" xmlns:com="http://schemas.openxmlformats.org/drawingml/2006/compatibility" xmlns:p14="http://schemas.microsoft.com/office/powerpoint/2010/main">
+  <p:cSld>
+    <p:spTree>
+      <p:nvGrpSpPr>
+        <p:cNvPr id="81" name="Shape 81"/>
+        <p:cNvGrpSpPr/>
+        <p:nvPr/>
+      </p:nvGrpSpPr>
+      <p:grpSpPr>
+        <a:xfrm>
+          <a:off x="0" y="0"/>
+          <a:ext cx="0" cy="0"/>
+          <a:chOff x="0" y="0"/>
+          <a:chExt cx="0" cy="0"/>
+        </a:xfrm>
+      </p:grpSpPr>
+      <p:sp>
+        <p:nvSpPr>
+          <p:cNvPr id="82" name="Shape 82"/>
           <p:cNvSpPr txBox="1"/>
           <p:nvPr>
-            <p:ph idx="1" type="body"/>
-          </p:nvPr>
-        </p:nvSpPr>
-        <p:spPr>
-          <a:xfrm>
-            <a:off x="457200" y="1200150"/>
-            <a:ext cx="8229600" cy="3725699"/>
+            <p:ph type="title"/>
+          </p:nvPr>
+        </p:nvSpPr>
+        <p:spPr>
+          <a:xfrm>
+            <a:off x="457200" y="205978"/>
+            <a:ext cx="8229600" cy="857400"/>
           </a:xfrm>
           <a:prstGeom prst="rect">
             <a:avLst/>
           </a:prstGeom>
         </p:spPr>
         <p:txBody>
-          <a:bodyPr anchorCtr="0" anchor="t" bIns="91425" lIns="91425" rIns="91425" tIns="91425">
+          <a:bodyPr anchorCtr="0" anchor="b" bIns="91425" lIns="91425" rIns="91425" tIns="91425">
             <a:noAutofit/>
           </a:bodyPr>
           <a:lstStyle/>
@@ -4386,12 +5644,132 @@
               <a:buNone/>
             </a:pPr>
             <a:r>
-              <a:t/>
+              <a:rPr lang="en"/>
+              <a:t>Day Two added second commit </a:t>
             </a:r>
-            <a:endParaRPr/>
           </a:p>
         </p:txBody>
       </p:sp>
+      <p:pic>
+        <p:nvPicPr>
+          <p:cNvPr id="83" name="Shape 83"/>
+          <p:cNvPicPr preferRelativeResize="0"/>
+          <p:nvPr/>
+        </p:nvPicPr>
+        <p:blipFill>
+          <a:blip r:embed="rId3">
+            <a:alphaModFix/>
+          </a:blip>
+          <a:stretch>
+            <a:fillRect/>
+          </a:stretch>
+        </p:blipFill>
+        <p:spPr>
+          <a:xfrm>
+            <a:off x="2809875" y="1531112"/>
+            <a:ext cx="3524250" cy="3209925"/>
+          </a:xfrm>
+          <a:prstGeom prst="rect">
+            <a:avLst/>
+          </a:prstGeom>
+          <a:noFill/>
+          <a:ln>
+            <a:noFill/>
+          </a:ln>
+        </p:spPr>
+      </p:pic>
+    </p:spTree>
+  </p:cSld>
+  <p:clrMapOvr>
+    <a:masterClrMapping/>
+  </p:clrMapOvr>
+  <p:transition spd="slow">
+    <p:cut/>
+  </p:transition>
+</p:sld>
+</file>
+
+<file path=ppt/slides/slide9.xml><?xml version="1.0" encoding="utf-8"?>
+<p:sld xmlns:a="http://schemas.openxmlformats.org/drawingml/2006/main" xmlns:r="http://schemas.openxmlformats.org/officeDocument/2006/relationships" xmlns:mc="http://schemas.openxmlformats.org/markup-compatibility/2006" xmlns:mv="urn:schemas-microsoft-com:mac:vml" xmlns:p="http://schemas.openxmlformats.org/presentationml/2006/main" xmlns:c="http://schemas.openxmlformats.org/drawingml/2006/chart" xmlns:dgm="http://schemas.openxmlformats.org/drawingml/2006/diagram" xmlns:o="urn:schemas-microsoft-com:office:office" xmlns:v="urn:schemas-microsoft-com:vml" xmlns:pvml="urn:schemas-microsoft-com:office:powerpoint" xmlns:com="http://schemas.openxmlformats.org/drawingml/2006/compatibility" xmlns:p14="http://schemas.microsoft.com/office/powerpoint/2010/main">
+  <p:cSld>
+    <p:spTree>
+      <p:nvGrpSpPr>
+        <p:cNvPr id="87" name="Shape 87"/>
+        <p:cNvGrpSpPr/>
+        <p:nvPr/>
+      </p:nvGrpSpPr>
+      <p:grpSpPr>
+        <a:xfrm>
+          <a:off x="0" y="0"/>
+          <a:ext cx="0" cy="0"/>
+          <a:chOff x="0" y="0"/>
+          <a:chExt cx="0" cy="0"/>
+        </a:xfrm>
+      </p:grpSpPr>
+      <p:sp>
+        <p:nvSpPr>
+          <p:cNvPr id="88" name="Shape 88"/>
+          <p:cNvSpPr txBox="1"/>
+          <p:nvPr>
+            <p:ph type="title"/>
+          </p:nvPr>
+        </p:nvSpPr>
+        <p:spPr>
+          <a:xfrm>
+            <a:off x="457200" y="205978"/>
+            <a:ext cx="8229600" cy="857400"/>
+          </a:xfrm>
+          <a:prstGeom prst="rect">
+            <a:avLst/>
+          </a:prstGeom>
+        </p:spPr>
+        <p:txBody>
+          <a:bodyPr anchorCtr="0" anchor="b" bIns="91425" lIns="91425" rIns="91425" tIns="91425">
+            <a:noAutofit/>
+          </a:bodyPr>
+          <a:lstStyle/>
+          <a:p>
+            <a:pPr>
+              <a:spcBef>
+                <a:spcPts val="0"/>
+              </a:spcBef>
+              <a:buNone/>
+            </a:pPr>
+            <a:r>
+              <a:rPr lang="en"/>
+              <a:t>Day Three third commit</a:t>
+            </a:r>
+          </a:p>
+        </p:txBody>
+      </p:sp>
+      <p:pic>
+        <p:nvPicPr>
+          <p:cNvPr id="89" name="Shape 89"/>
+          <p:cNvPicPr preferRelativeResize="0"/>
+          <p:nvPr/>
+        </p:nvPicPr>
+        <p:blipFill>
+          <a:blip r:embed="rId3">
+            <a:alphaModFix/>
+          </a:blip>
+          <a:stretch>
+            <a:fillRect/>
+          </a:stretch>
+        </p:blipFill>
+        <p:spPr>
+          <a:xfrm>
+            <a:off x="2306837" y="1516850"/>
+            <a:ext cx="4143375" cy="3238500"/>
+          </a:xfrm>
+          <a:prstGeom prst="rect">
+            <a:avLst/>
+          </a:prstGeom>
+          <a:noFill/>
+          <a:ln>
+            <a:noFill/>
+          </a:ln>
+        </p:spPr>
+      </p:pic>
     </p:spTree>
   </p:cSld>
   <p:clrMapOvr>
@@ -4404,283 +5782,6 @@
 </file>
 
 <file path=ppt/theme/theme1.xml><?xml version="1.0" encoding="utf-8"?>
-<a:theme xmlns:a="http://schemas.openxmlformats.org/drawingml/2006/main" xmlns:r="http://schemas.openxmlformats.org/officeDocument/2006/relationships" name="biz">
-  <a:themeElements>
-    <a:clrScheme name="Custom 233">
-      <a:dk1>
-        <a:srgbClr val="000000"/>
-      </a:dk1>
-      <a:lt1>
-        <a:srgbClr val="FFFFFF"/>
-      </a:lt1>
-      <a:dk2>
-        <a:srgbClr val="2388DB"/>
-      </a:dk2>
-      <a:lt2>
-        <a:srgbClr val="BBD7F8"/>
-      </a:lt2>
-      <a:accent1>
-        <a:srgbClr val="80B606"/>
-      </a:accent1>
-      <a:accent2>
-        <a:srgbClr val="E29F1D"/>
-      </a:accent2>
-      <a:accent3>
-        <a:srgbClr val="1D6FB2"/>
-      </a:accent3>
-      <a:accent4>
-        <a:srgbClr val="3FAC98"/>
-      </a:accent4>
-      <a:accent5>
-        <a:srgbClr val="5B57BB"/>
-      </a:accent5>
-      <a:accent6>
-        <a:srgbClr val="D1505E"/>
-      </a:accent6>
-      <a:hlink>
-        <a:srgbClr val="185DA2"/>
-      </a:hlink>
-      <a:folHlink>
-        <a:srgbClr val="00487B"/>
-      </a:folHlink>
-    </a:clrScheme>
-    <a:fontScheme name="Office">
-      <a:majorFont>
-        <a:latin typeface="Arial"/>
-        <a:ea typeface=""/>
-        <a:cs typeface=""/>
-        <a:font script="Jpan" typeface="ＭＳ Ｐゴシック"/>
-        <a:font script="Hang" typeface="맑은 고딕"/>
-        <a:font script="Hans" typeface="宋体"/>
-        <a:font script="Hant" typeface="新細明體"/>
-        <a:font script="Arab" typeface="Times New Roman"/>
-        <a:font script="Hebr" typeface="Times New Roman"/>
-        <a:font script="Thai" typeface="Angsana New"/>
-        <a:font script="Ethi" typeface="Nyala"/>
-        <a:font script="Beng" typeface="Vrinda"/>
-        <a:font script="Gujr" typeface="Shruti"/>
-        <a:font script="Khmr" typeface="MoolBoran"/>
-        <a:font script="Knda" typeface="Tunga"/>
-        <a:font script="Guru" typeface="Raavi"/>
-        <a:font script="Cans" typeface="Euphemia"/>
-        <a:font script="Cher" typeface="Plantagenet Cherokee"/>
-        <a:font script="Yiii" typeface="Microsoft Yi Baiti"/>
-        <a:font script="Tibt" typeface="Microsoft Himalaya"/>
-        <a:font script="Thaa" typeface="MV Boli"/>
-        <a:font script="Deva" typeface="Mangal"/>
-        <a:font script="Telu" typeface="Gautami"/>
-        <a:font script="Taml" typeface="Latha"/>
-        <a:font script="Syrc" typeface="Estrangelo Edessa"/>
-        <a:font script="Orya" typeface="Kalinga"/>
-        <a:font script="Mlym" typeface="Kartika"/>
-        <a:font script="Laoo" typeface="DokChampa"/>
-        <a:font script="Sinh" typeface="Iskoola Pota"/>
-        <a:font script="Mong" typeface="Mongolian Baiti"/>
-        <a:font script="Viet" typeface="Times New Roman"/>
-        <a:font script="Uigh" typeface="Microsoft Uighur"/>
-      </a:majorFont>
-      <a:minorFont>
-        <a:latin typeface="Arial"/>
-        <a:ea typeface=""/>
-        <a:cs typeface=""/>
-        <a:font script="Jpan" typeface="ＭＳ Ｐゴシック"/>
-        <a:font script="Hang" typeface="맑은 고딕"/>
-        <a:font script="Hans" typeface="宋体"/>
-        <a:font script="Hant" typeface="新細明體"/>
-        <a:font script="Arab" typeface="Times New Roman"/>
-        <a:font script="Hebr" typeface="Times New Roman"/>
-        <a:font script="Thai" typeface="Angsana New"/>
-        <a:font script="Ethi" typeface="Nyala"/>
-        <a:font script="Beng" typeface="Vrinda"/>
-        <a:font script="Gujr" typeface="Shruti"/>
-        <a:font script="Khmr" typeface="MoolBoran"/>
-        <a:font script="Knda" typeface="Tunga"/>
-        <a:font script="Guru" typeface="Raavi"/>
-        <a:font script="Cans" typeface="Euphemia"/>
-        <a:font script="Cher" typeface="Plantagenet Cherokee"/>
-        <a:font script="Yiii" typeface="Microsoft Yi Baiti"/>
-        <a:font script="Tibt" typeface="Microsoft Himalaya"/>
-        <a:font script="Thaa" typeface="MV Boli"/>
-        <a:font script="Deva" typeface="Mangal"/>
-        <a:font script="Telu" typeface="Gautami"/>
-        <a:font script="Taml" typeface="Latha"/>
-        <a:font script="Syrc" typeface="Estrangelo Edessa"/>
-        <a:font script="Orya" typeface="Kalinga"/>
-        <a:font script="Mlym" typeface="Kartika"/>
-        <a:font script="Laoo" typeface="DokChampa"/>
-        <a:font script="Sinh" typeface="Iskoola Pota"/>
-        <a:font script="Mong" typeface="Mongolian Baiti"/>
-        <a:font script="Viet" typeface="Times New Roman"/>
-        <a:font script="Uigh" typeface="Microsoft Uighur"/>
-      </a:minorFont>
-    </a:fontScheme>
-    <a:fmtScheme name="Office">
-      <a:fillStyleLst>
-        <a:solidFill>
-          <a:schemeClr val="phClr"/>
-        </a:solidFill>
-        <a:gradFill rotWithShape="1">
-          <a:gsLst>
-            <a:gs pos="0">
-              <a:schemeClr val="phClr">
-                <a:tint val="50000"/>
-                <a:satMod val="300000"/>
-              </a:schemeClr>
-            </a:gs>
-            <a:gs pos="35000">
-              <a:schemeClr val="phClr">
-                <a:tint val="37000"/>
-                <a:satMod val="300000"/>
-              </a:schemeClr>
-            </a:gs>
-            <a:gs pos="100000">
-              <a:schemeClr val="phClr">
-                <a:tint val="15000"/>
-                <a:satMod val="350000"/>
-              </a:schemeClr>
-            </a:gs>
-          </a:gsLst>
-          <a:lin ang="16200000" scaled="1"/>
-        </a:gradFill>
-        <a:gradFill rotWithShape="1">
-          <a:gsLst>
-            <a:gs pos="0">
-              <a:schemeClr val="phClr">
-                <a:tint val="100000"/>
-                <a:shade val="100000"/>
-                <a:satMod val="130000"/>
-              </a:schemeClr>
-            </a:gs>
-            <a:gs pos="100000">
-              <a:schemeClr val="phClr">
-                <a:tint val="50000"/>
-                <a:shade val="100000"/>
-                <a:satMod val="350000"/>
-              </a:schemeClr>
-            </a:gs>
-          </a:gsLst>
-          <a:lin ang="16200000" scaled="0"/>
-        </a:gradFill>
-      </a:fillStyleLst>
-      <a:lnStyleLst>
-        <a:ln cap="flat" cmpd="sng" w="9525" algn="ctr">
-          <a:solidFill>
-            <a:schemeClr val="phClr">
-              <a:shade val="95000"/>
-              <a:satMod val="105000"/>
-            </a:schemeClr>
-          </a:solidFill>
-          <a:prstDash val="solid"/>
-        </a:ln>
-        <a:ln cap="flat" cmpd="sng" w="25400" algn="ctr">
-          <a:solidFill>
-            <a:schemeClr val="phClr"/>
-          </a:solidFill>
-          <a:prstDash val="solid"/>
-        </a:ln>
-        <a:ln cap="flat" cmpd="sng" w="38100" algn="ctr">
-          <a:solidFill>
-            <a:schemeClr val="phClr"/>
-          </a:solidFill>
-          <a:prstDash val="solid"/>
-        </a:ln>
-      </a:lnStyleLst>
-      <a:effectStyleLst>
-        <a:effectStyle>
-          <a:effectLst>
-            <a:outerShdw blurRad="40000" rotWithShape="0" dir="5400000" dist="20000">
-              <a:srgbClr val="000000">
-                <a:alpha val="38000"/>
-              </a:srgbClr>
-            </a:outerShdw>
-          </a:effectLst>
-        </a:effectStyle>
-        <a:effectStyle>
-          <a:effectLst>
-            <a:outerShdw blurRad="40000" rotWithShape="0" dir="5400000" dist="23000">
-              <a:srgbClr val="000000">
-                <a:alpha val="35000"/>
-              </a:srgbClr>
-            </a:outerShdw>
-          </a:effectLst>
-        </a:effectStyle>
-        <a:effectStyle>
-          <a:effectLst>
-            <a:outerShdw blurRad="40000" rotWithShape="0" dir="5400000" dist="23000">
-              <a:srgbClr val="000000">
-                <a:alpha val="35000"/>
-              </a:srgbClr>
-            </a:outerShdw>
-          </a:effectLst>
-          <a:scene3d>
-            <a:camera prst="orthographicFront">
-              <a:rot lat="0" lon="0" rev="0"/>
-            </a:camera>
-            <a:lightRig dir="t" rig="threePt">
-              <a:rot lat="0" lon="0" rev="1200000"/>
-            </a:lightRig>
-          </a:scene3d>
-          <a:sp3d>
-            <a:bevelT h="25400" w="63500"/>
-          </a:sp3d>
-        </a:effectStyle>
-      </a:effectStyleLst>
-      <a:bgFillStyleLst>
-        <a:solidFill>
-          <a:schemeClr val="phClr"/>
-        </a:solidFill>
-        <a:gradFill rotWithShape="1">
-          <a:gsLst>
-            <a:gs pos="0">
-              <a:schemeClr val="phClr">
-                <a:tint val="40000"/>
-                <a:satMod val="350000"/>
-              </a:schemeClr>
-            </a:gs>
-            <a:gs pos="40000">
-              <a:schemeClr val="phClr">
-                <a:tint val="45000"/>
-                <a:shade val="99000"/>
-                <a:satMod val="350000"/>
-              </a:schemeClr>
-            </a:gs>
-            <a:gs pos="100000">
-              <a:schemeClr val="phClr">
-                <a:shade val="20000"/>
-                <a:satMod val="255000"/>
-              </a:schemeClr>
-            </a:gs>
-          </a:gsLst>
-          <a:path path="circle">
-            <a:fillToRect b="180000" l="50000" r="50000" t="-80000"/>
-          </a:path>
-        </a:gradFill>
-        <a:gradFill rotWithShape="1">
-          <a:gsLst>
-            <a:gs pos="0">
-              <a:schemeClr val="phClr">
-                <a:tint val="80000"/>
-                <a:satMod val="300000"/>
-              </a:schemeClr>
-            </a:gs>
-            <a:gs pos="100000">
-              <a:schemeClr val="phClr">
-                <a:shade val="30000"/>
-                <a:satMod val="200000"/>
-              </a:schemeClr>
-            </a:gs>
-          </a:gsLst>
-          <a:path path="circle">
-            <a:fillToRect b="50000" l="50000" r="50000" t="50000"/>
-          </a:path>
-        </a:gradFill>
-      </a:bgFillStyleLst>
-    </a:fmtScheme>
-  </a:themeElements>
-</a:theme>
-</file>
-
-<file path=ppt/theme/theme2.xml><?xml version="1.0" encoding="utf-8"?>
 <a:theme xmlns:a="http://schemas.openxmlformats.org/drawingml/2006/main" xmlns:r="http://schemas.openxmlformats.org/officeDocument/2006/relationships" name="Custom Theme">
   <a:themeElements>
     <a:clrScheme name="Default">
@@ -4957,7 +6058,7 @@
 </a:theme>
 </file>
 
-<file path=ppt/theme/theme3.xml><?xml version="1.0" encoding="utf-8"?>
+<file path=ppt/theme/theme2.xml><?xml version="1.0" encoding="utf-8"?>
 <a:theme xmlns:a="http://schemas.openxmlformats.org/drawingml/2006/main" xmlns:r="http://schemas.openxmlformats.org/officeDocument/2006/relationships" name="Office Theme">
   <a:themeElements>
     <a:clrScheme name="Office">
@@ -5272,4 +6373,281 @@
     </a:lnDef>
   </a:objectDefaults>
 </a:theme>
+</file>
+
+<file path=ppt/theme/theme3.xml><?xml version="1.0" encoding="utf-8"?>
+<a:theme xmlns:a="http://schemas.openxmlformats.org/drawingml/2006/main" xmlns:r="http://schemas.openxmlformats.org/officeDocument/2006/relationships" name="biz">
+  <a:themeElements>
+    <a:clrScheme name="Custom 233">
+      <a:dk1>
+        <a:srgbClr val="000000"/>
+      </a:dk1>
+      <a:lt1>
+        <a:srgbClr val="FFFFFF"/>
+      </a:lt1>
+      <a:dk2>
+        <a:srgbClr val="2388DB"/>
+      </a:dk2>
+      <a:lt2>
+        <a:srgbClr val="BBD7F8"/>
+      </a:lt2>
+      <a:accent1>
+        <a:srgbClr val="80B606"/>
+      </a:accent1>
+      <a:accent2>
+        <a:srgbClr val="E29F1D"/>
+      </a:accent2>
+      <a:accent3>
+        <a:srgbClr val="1D6FB2"/>
+      </a:accent3>
+      <a:accent4>
+        <a:srgbClr val="3FAC98"/>
+      </a:accent4>
+      <a:accent5>
+        <a:srgbClr val="5B57BB"/>
+      </a:accent5>
+      <a:accent6>
+        <a:srgbClr val="D1505E"/>
+      </a:accent6>
+      <a:hlink>
+        <a:srgbClr val="185DA2"/>
+      </a:hlink>
+      <a:folHlink>
+        <a:srgbClr val="00487B"/>
+      </a:folHlink>
+    </a:clrScheme>
+    <a:fontScheme name="Office">
+      <a:majorFont>
+        <a:latin typeface="Arial"/>
+        <a:ea typeface=""/>
+        <a:cs typeface=""/>
+        <a:font script="Jpan" typeface="ＭＳ Ｐゴシック"/>
+        <a:font script="Hang" typeface="맑은 고딕"/>
+        <a:font script="Hans" typeface="宋体"/>
+        <a:font script="Hant" typeface="新細明體"/>
+        <a:font script="Arab" typeface="Times New Roman"/>
+        <a:font script="Hebr" typeface="Times New Roman"/>
+        <a:font script="Thai" typeface="Angsana New"/>
+        <a:font script="Ethi" typeface="Nyala"/>
+        <a:font script="Beng" typeface="Vrinda"/>
+        <a:font script="Gujr" typeface="Shruti"/>
+        <a:font script="Khmr" typeface="MoolBoran"/>
+        <a:font script="Knda" typeface="Tunga"/>
+        <a:font script="Guru" typeface="Raavi"/>
+        <a:font script="Cans" typeface="Euphemia"/>
+        <a:font script="Cher" typeface="Plantagenet Cherokee"/>
+        <a:font script="Yiii" typeface="Microsoft Yi Baiti"/>
+        <a:font script="Tibt" typeface="Microsoft Himalaya"/>
+        <a:font script="Thaa" typeface="MV Boli"/>
+        <a:font script="Deva" typeface="Mangal"/>
+        <a:font script="Telu" typeface="Gautami"/>
+        <a:font script="Taml" typeface="Latha"/>
+        <a:font script="Syrc" typeface="Estrangelo Edessa"/>
+        <a:font script="Orya" typeface="Kalinga"/>
+        <a:font script="Mlym" typeface="Kartika"/>
+        <a:font script="Laoo" typeface="DokChampa"/>
+        <a:font script="Sinh" typeface="Iskoola Pota"/>
+        <a:font script="Mong" typeface="Mongolian Baiti"/>
+        <a:font script="Viet" typeface="Times New Roman"/>
+        <a:font script="Uigh" typeface="Microsoft Uighur"/>
+      </a:majorFont>
+      <a:minorFont>
+        <a:latin typeface="Arial"/>
+        <a:ea typeface=""/>
+        <a:cs typeface=""/>
+        <a:font script="Jpan" typeface="ＭＳ Ｐゴシック"/>
+        <a:font script="Hang" typeface="맑은 고딕"/>
+        <a:font script="Hans" typeface="宋体"/>
+        <a:font script="Hant" typeface="新細明體"/>
+        <a:font script="Arab" typeface="Times New Roman"/>
+        <a:font script="Hebr" typeface="Times New Roman"/>
+        <a:font script="Thai" typeface="Angsana New"/>
+        <a:font script="Ethi" typeface="Nyala"/>
+        <a:font script="Beng" typeface="Vrinda"/>
+        <a:font script="Gujr" typeface="Shruti"/>
+        <a:font script="Khmr" typeface="MoolBoran"/>
+        <a:font script="Knda" typeface="Tunga"/>
+        <a:font script="Guru" typeface="Raavi"/>
+        <a:font script="Cans" typeface="Euphemia"/>
+        <a:font script="Cher" typeface="Plantagenet Cherokee"/>
+        <a:font script="Yiii" typeface="Microsoft Yi Baiti"/>
+        <a:font script="Tibt" typeface="Microsoft Himalaya"/>
+        <a:font script="Thaa" typeface="MV Boli"/>
+        <a:font script="Deva" typeface="Mangal"/>
+        <a:font script="Telu" typeface="Gautami"/>
+        <a:font script="Taml" typeface="Latha"/>
+        <a:font script="Syrc" typeface="Estrangelo Edessa"/>
+        <a:font script="Orya" typeface="Kalinga"/>
+        <a:font script="Mlym" typeface="Kartika"/>
+        <a:font script="Laoo" typeface="DokChampa"/>
+        <a:font script="Sinh" typeface="Iskoola Pota"/>
+        <a:font script="Mong" typeface="Mongolian Baiti"/>
+        <a:font script="Viet" typeface="Times New Roman"/>
+        <a:font script="Uigh" typeface="Microsoft Uighur"/>
+      </a:minorFont>
+    </a:fontScheme>
+    <a:fmtScheme name="Office">
+      <a:fillStyleLst>
+        <a:solidFill>
+          <a:schemeClr val="phClr"/>
+        </a:solidFill>
+        <a:gradFill rotWithShape="1">
+          <a:gsLst>
+            <a:gs pos="0">
+              <a:schemeClr val="phClr">
+                <a:tint val="50000"/>
+                <a:satMod val="300000"/>
+              </a:schemeClr>
+            </a:gs>
+            <a:gs pos="35000">
+              <a:schemeClr val="phClr">
+                <a:tint val="37000"/>
+                <a:satMod val="300000"/>
+              </a:schemeClr>
+            </a:gs>
+            <a:gs pos="100000">
+              <a:schemeClr val="phClr">
+                <a:tint val="15000"/>
+                <a:satMod val="350000"/>
+              </a:schemeClr>
+            </a:gs>
+          </a:gsLst>
+          <a:lin ang="16200000" scaled="1"/>
+        </a:gradFill>
+        <a:gradFill rotWithShape="1">
+          <a:gsLst>
+            <a:gs pos="0">
+              <a:schemeClr val="phClr">
+                <a:tint val="100000"/>
+                <a:shade val="100000"/>
+                <a:satMod val="130000"/>
+              </a:schemeClr>
+            </a:gs>
+            <a:gs pos="100000">
+              <a:schemeClr val="phClr">
+                <a:tint val="50000"/>
+                <a:shade val="100000"/>
+                <a:satMod val="350000"/>
+              </a:schemeClr>
+            </a:gs>
+          </a:gsLst>
+          <a:lin ang="16200000" scaled="0"/>
+        </a:gradFill>
+      </a:fillStyleLst>
+      <a:lnStyleLst>
+        <a:ln cap="flat" cmpd="sng" w="9525" algn="ctr">
+          <a:solidFill>
+            <a:schemeClr val="phClr">
+              <a:shade val="95000"/>
+              <a:satMod val="105000"/>
+            </a:schemeClr>
+          </a:solidFill>
+          <a:prstDash val="solid"/>
+        </a:ln>
+        <a:ln cap="flat" cmpd="sng" w="25400" algn="ctr">
+          <a:solidFill>
+            <a:schemeClr val="phClr"/>
+          </a:solidFill>
+          <a:prstDash val="solid"/>
+        </a:ln>
+        <a:ln cap="flat" cmpd="sng" w="38100" algn="ctr">
+          <a:solidFill>
+            <a:schemeClr val="phClr"/>
+          </a:solidFill>
+          <a:prstDash val="solid"/>
+        </a:ln>
+      </a:lnStyleLst>
+      <a:effectStyleLst>
+        <a:effectStyle>
+          <a:effectLst>
+            <a:outerShdw blurRad="40000" rotWithShape="0" dir="5400000" dist="20000">
+              <a:srgbClr val="000000">
+                <a:alpha val="38000"/>
+              </a:srgbClr>
+            </a:outerShdw>
+          </a:effectLst>
+        </a:effectStyle>
+        <a:effectStyle>
+          <a:effectLst>
+            <a:outerShdw blurRad="40000" rotWithShape="0" dir="5400000" dist="23000">
+              <a:srgbClr val="000000">
+                <a:alpha val="35000"/>
+              </a:srgbClr>
+            </a:outerShdw>
+          </a:effectLst>
+        </a:effectStyle>
+        <a:effectStyle>
+          <a:effectLst>
+            <a:outerShdw blurRad="40000" rotWithShape="0" dir="5400000" dist="23000">
+              <a:srgbClr val="000000">
+                <a:alpha val="35000"/>
+              </a:srgbClr>
+            </a:outerShdw>
+          </a:effectLst>
+          <a:scene3d>
+            <a:camera prst="orthographicFront">
+              <a:rot lat="0" lon="0" rev="0"/>
+            </a:camera>
+            <a:lightRig dir="t" rig="threePt">
+              <a:rot lat="0" lon="0" rev="1200000"/>
+            </a:lightRig>
+          </a:scene3d>
+          <a:sp3d>
+            <a:bevelT h="25400" w="63500"/>
+          </a:sp3d>
+        </a:effectStyle>
+      </a:effectStyleLst>
+      <a:bgFillStyleLst>
+        <a:solidFill>
+          <a:schemeClr val="phClr"/>
+        </a:solidFill>
+        <a:gradFill rotWithShape="1">
+          <a:gsLst>
+            <a:gs pos="0">
+              <a:schemeClr val="phClr">
+                <a:tint val="40000"/>
+                <a:satMod val="350000"/>
+              </a:schemeClr>
+            </a:gs>
+            <a:gs pos="40000">
+              <a:schemeClr val="phClr">
+                <a:tint val="45000"/>
+                <a:shade val="99000"/>
+                <a:satMod val="350000"/>
+              </a:schemeClr>
+            </a:gs>
+            <a:gs pos="100000">
+              <a:schemeClr val="phClr">
+                <a:shade val="20000"/>
+                <a:satMod val="255000"/>
+              </a:schemeClr>
+            </a:gs>
+          </a:gsLst>
+          <a:path path="circle">
+            <a:fillToRect b="180000" l="50000" r="50000" t="-80000"/>
+          </a:path>
+        </a:gradFill>
+        <a:gradFill rotWithShape="1">
+          <a:gsLst>
+            <a:gs pos="0">
+              <a:schemeClr val="phClr">
+                <a:tint val="80000"/>
+                <a:satMod val="300000"/>
+              </a:schemeClr>
+            </a:gs>
+            <a:gs pos="100000">
+              <a:schemeClr val="phClr">
+                <a:shade val="30000"/>
+                <a:satMod val="200000"/>
+              </a:schemeClr>
+            </a:gs>
+          </a:gsLst>
+          <a:path path="circle">
+            <a:fillToRect b="50000" l="50000" r="50000" t="50000"/>
+          </a:path>
+        </a:gradFill>
+      </a:bgFillStyleLst>
+    </a:fmtScheme>
+  </a:themeElements>
+</a:theme>
 </file>